--- a/graph/graph_v2.pptx
+++ b/graph/graph_v2.pptx
@@ -205,7 +205,7 @@
           <a:p>
             <a:fld id="{EE675E7E-5BAF-4B2E-AE08-660714B4CA70}" type="datetimeFigureOut">
               <a:rPr kumimoji="1" lang="ja-JP" altLang="en-US" smtClean="0"/>
-              <a:t>2024/2/20</a:t>
+              <a:t>2024/3/7</a:t>
             </a:fld>
             <a:endParaRPr kumimoji="1" lang="ja-JP" altLang="en-US"/>
           </a:p>
@@ -730,7 +730,7 @@
           <a:p>
             <a:fld id="{8034E946-5FA3-44E5-A5C1-96D1B239C4E6}" type="datetimeFigureOut">
               <a:rPr kumimoji="1" lang="ja-JP" altLang="en-US" smtClean="0"/>
-              <a:t>2024/2/20</a:t>
+              <a:t>2024/3/7</a:t>
             </a:fld>
             <a:endParaRPr kumimoji="1" lang="ja-JP" altLang="en-US"/>
           </a:p>
@@ -932,7 +932,7 @@
           <a:p>
             <a:fld id="{8034E946-5FA3-44E5-A5C1-96D1B239C4E6}" type="datetimeFigureOut">
               <a:rPr kumimoji="1" lang="ja-JP" altLang="en-US" smtClean="0"/>
-              <a:t>2024/2/20</a:t>
+              <a:t>2024/3/7</a:t>
             </a:fld>
             <a:endParaRPr kumimoji="1" lang="ja-JP" altLang="en-US"/>
           </a:p>
@@ -1144,7 +1144,7 @@
           <a:p>
             <a:fld id="{8034E946-5FA3-44E5-A5C1-96D1B239C4E6}" type="datetimeFigureOut">
               <a:rPr kumimoji="1" lang="ja-JP" altLang="en-US" smtClean="0"/>
-              <a:t>2024/2/20</a:t>
+              <a:t>2024/3/7</a:t>
             </a:fld>
             <a:endParaRPr kumimoji="1" lang="ja-JP" altLang="en-US"/>
           </a:p>
@@ -1347,7 +1347,7 @@
           <a:p>
             <a:fld id="{1608E3F5-48AD-4C94-9E60-6499A463CFC4}" type="datetimeFigureOut">
               <a:rPr kumimoji="1" lang="ja-JP" altLang="en-US" smtClean="0"/>
-              <a:t>2024/2/20</a:t>
+              <a:t>2024/3/7</a:t>
             </a:fld>
             <a:endParaRPr kumimoji="1" lang="ja-JP" altLang="en-US"/>
           </a:p>
@@ -1549,7 +1549,7 @@
           <a:p>
             <a:fld id="{1608E3F5-48AD-4C94-9E60-6499A463CFC4}" type="datetimeFigureOut">
               <a:rPr kumimoji="1" lang="ja-JP" altLang="en-US" smtClean="0"/>
-              <a:t>2024/2/20</a:t>
+              <a:t>2024/3/7</a:t>
             </a:fld>
             <a:endParaRPr kumimoji="1" lang="ja-JP" altLang="en-US"/>
           </a:p>
@@ -1800,7 +1800,7 @@
           <a:p>
             <a:fld id="{1608E3F5-48AD-4C94-9E60-6499A463CFC4}" type="datetimeFigureOut">
               <a:rPr kumimoji="1" lang="ja-JP" altLang="en-US" smtClean="0"/>
-              <a:t>2024/2/20</a:t>
+              <a:t>2024/3/7</a:t>
             </a:fld>
             <a:endParaRPr kumimoji="1" lang="ja-JP" altLang="en-US"/>
           </a:p>
@@ -2096,7 +2096,7 @@
           <a:p>
             <a:fld id="{1608E3F5-48AD-4C94-9E60-6499A463CFC4}" type="datetimeFigureOut">
               <a:rPr kumimoji="1" lang="ja-JP" altLang="en-US" smtClean="0"/>
-              <a:t>2024/2/20</a:t>
+              <a:t>2024/3/7</a:t>
             </a:fld>
             <a:endParaRPr kumimoji="1" lang="ja-JP" altLang="en-US"/>
           </a:p>
@@ -2507,7 +2507,7 @@
           <a:p>
             <a:fld id="{1608E3F5-48AD-4C94-9E60-6499A463CFC4}" type="datetimeFigureOut">
               <a:rPr kumimoji="1" lang="ja-JP" altLang="en-US" smtClean="0"/>
-              <a:t>2024/2/20</a:t>
+              <a:t>2024/3/7</a:t>
             </a:fld>
             <a:endParaRPr kumimoji="1" lang="ja-JP" altLang="en-US"/>
           </a:p>
@@ -2625,7 +2625,7 @@
           <a:p>
             <a:fld id="{1608E3F5-48AD-4C94-9E60-6499A463CFC4}" type="datetimeFigureOut">
               <a:rPr kumimoji="1" lang="ja-JP" altLang="en-US" smtClean="0"/>
-              <a:t>2024/2/20</a:t>
+              <a:t>2024/3/7</a:t>
             </a:fld>
             <a:endParaRPr kumimoji="1" lang="ja-JP" altLang="en-US"/>
           </a:p>
@@ -2743,7 +2743,7 @@
           <a:p>
             <a:fld id="{1608E3F5-48AD-4C94-9E60-6499A463CFC4}" type="datetimeFigureOut">
               <a:rPr kumimoji="1" lang="ja-JP" altLang="en-US" smtClean="0"/>
-              <a:t>2024/2/20</a:t>
+              <a:t>2024/3/7</a:t>
             </a:fld>
             <a:endParaRPr kumimoji="1" lang="ja-JP" altLang="en-US"/>
           </a:p>
@@ -3059,7 +3059,7 @@
           <a:p>
             <a:fld id="{1608E3F5-48AD-4C94-9E60-6499A463CFC4}" type="datetimeFigureOut">
               <a:rPr kumimoji="1" lang="ja-JP" altLang="en-US" smtClean="0"/>
-              <a:t>2024/2/20</a:t>
+              <a:t>2024/3/7</a:t>
             </a:fld>
             <a:endParaRPr kumimoji="1" lang="ja-JP" altLang="en-US"/>
           </a:p>
@@ -3261,7 +3261,7 @@
           <a:p>
             <a:fld id="{8034E946-5FA3-44E5-A5C1-96D1B239C4E6}" type="datetimeFigureOut">
               <a:rPr kumimoji="1" lang="ja-JP" altLang="en-US" smtClean="0"/>
-              <a:t>2024/2/20</a:t>
+              <a:t>2024/3/7</a:t>
             </a:fld>
             <a:endParaRPr kumimoji="1" lang="ja-JP" altLang="en-US"/>
           </a:p>
@@ -3525,7 +3525,7 @@
           <a:p>
             <a:fld id="{1608E3F5-48AD-4C94-9E60-6499A463CFC4}" type="datetimeFigureOut">
               <a:rPr kumimoji="1" lang="ja-JP" altLang="en-US" smtClean="0"/>
-              <a:t>2024/2/20</a:t>
+              <a:t>2024/3/7</a:t>
             </a:fld>
             <a:endParaRPr kumimoji="1" lang="ja-JP" altLang="en-US"/>
           </a:p>
@@ -3727,7 +3727,7 @@
           <a:p>
             <a:fld id="{1608E3F5-48AD-4C94-9E60-6499A463CFC4}" type="datetimeFigureOut">
               <a:rPr kumimoji="1" lang="ja-JP" altLang="en-US" smtClean="0"/>
-              <a:t>2024/2/20</a:t>
+              <a:t>2024/3/7</a:t>
             </a:fld>
             <a:endParaRPr kumimoji="1" lang="ja-JP" altLang="en-US"/>
           </a:p>
@@ -3939,7 +3939,7 @@
           <a:p>
             <a:fld id="{1608E3F5-48AD-4C94-9E60-6499A463CFC4}" type="datetimeFigureOut">
               <a:rPr kumimoji="1" lang="ja-JP" altLang="en-US" smtClean="0"/>
-              <a:t>2024/2/20</a:t>
+              <a:t>2024/3/7</a:t>
             </a:fld>
             <a:endParaRPr kumimoji="1" lang="ja-JP" altLang="en-US"/>
           </a:p>
@@ -4142,7 +4142,7 @@
           <a:p>
             <a:fld id="{1608E3F5-48AD-4C94-9E60-6499A463CFC4}" type="datetimeFigureOut">
               <a:rPr kumimoji="1" lang="ja-JP" altLang="en-US" smtClean="0"/>
-              <a:t>2024/2/20</a:t>
+              <a:t>2024/3/7</a:t>
             </a:fld>
             <a:endParaRPr kumimoji="1" lang="ja-JP" altLang="en-US"/>
           </a:p>
@@ -4344,7 +4344,7 @@
           <a:p>
             <a:fld id="{1608E3F5-48AD-4C94-9E60-6499A463CFC4}" type="datetimeFigureOut">
               <a:rPr kumimoji="1" lang="ja-JP" altLang="en-US" smtClean="0"/>
-              <a:t>2024/2/20</a:t>
+              <a:t>2024/3/7</a:t>
             </a:fld>
             <a:endParaRPr kumimoji="1" lang="ja-JP" altLang="en-US"/>
           </a:p>
@@ -4595,7 +4595,7 @@
           <a:p>
             <a:fld id="{1608E3F5-48AD-4C94-9E60-6499A463CFC4}" type="datetimeFigureOut">
               <a:rPr kumimoji="1" lang="ja-JP" altLang="en-US" smtClean="0"/>
-              <a:t>2024/2/20</a:t>
+              <a:t>2024/3/7</a:t>
             </a:fld>
             <a:endParaRPr kumimoji="1" lang="ja-JP" altLang="en-US"/>
           </a:p>
@@ -4891,7 +4891,7 @@
           <a:p>
             <a:fld id="{1608E3F5-48AD-4C94-9E60-6499A463CFC4}" type="datetimeFigureOut">
               <a:rPr kumimoji="1" lang="ja-JP" altLang="en-US" smtClean="0"/>
-              <a:t>2024/2/20</a:t>
+              <a:t>2024/3/7</a:t>
             </a:fld>
             <a:endParaRPr kumimoji="1" lang="ja-JP" altLang="en-US"/>
           </a:p>
@@ -5302,7 +5302,7 @@
           <a:p>
             <a:fld id="{1608E3F5-48AD-4C94-9E60-6499A463CFC4}" type="datetimeFigureOut">
               <a:rPr kumimoji="1" lang="ja-JP" altLang="en-US" smtClean="0"/>
-              <a:t>2024/2/20</a:t>
+              <a:t>2024/3/7</a:t>
             </a:fld>
             <a:endParaRPr kumimoji="1" lang="ja-JP" altLang="en-US"/>
           </a:p>
@@ -5420,7 +5420,7 @@
           <a:p>
             <a:fld id="{1608E3F5-48AD-4C94-9E60-6499A463CFC4}" type="datetimeFigureOut">
               <a:rPr kumimoji="1" lang="ja-JP" altLang="en-US" smtClean="0"/>
-              <a:t>2024/2/20</a:t>
+              <a:t>2024/3/7</a:t>
             </a:fld>
             <a:endParaRPr kumimoji="1" lang="ja-JP" altLang="en-US"/>
           </a:p>
@@ -5538,7 +5538,7 @@
           <a:p>
             <a:fld id="{1608E3F5-48AD-4C94-9E60-6499A463CFC4}" type="datetimeFigureOut">
               <a:rPr kumimoji="1" lang="ja-JP" altLang="en-US" smtClean="0"/>
-              <a:t>2024/2/20</a:t>
+              <a:t>2024/3/7</a:t>
             </a:fld>
             <a:endParaRPr kumimoji="1" lang="ja-JP" altLang="en-US"/>
           </a:p>
@@ -5789,7 +5789,7 @@
           <a:p>
             <a:fld id="{8034E946-5FA3-44E5-A5C1-96D1B239C4E6}" type="datetimeFigureOut">
               <a:rPr kumimoji="1" lang="ja-JP" altLang="en-US" smtClean="0"/>
-              <a:t>2024/2/20</a:t>
+              <a:t>2024/3/7</a:t>
             </a:fld>
             <a:endParaRPr kumimoji="1" lang="ja-JP" altLang="en-US"/>
           </a:p>
@@ -6105,7 +6105,7 @@
           <a:p>
             <a:fld id="{1608E3F5-48AD-4C94-9E60-6499A463CFC4}" type="datetimeFigureOut">
               <a:rPr kumimoji="1" lang="ja-JP" altLang="en-US" smtClean="0"/>
-              <a:t>2024/2/20</a:t>
+              <a:t>2024/3/7</a:t>
             </a:fld>
             <a:endParaRPr kumimoji="1" lang="ja-JP" altLang="en-US"/>
           </a:p>
@@ -6369,7 +6369,7 @@
           <a:p>
             <a:fld id="{1608E3F5-48AD-4C94-9E60-6499A463CFC4}" type="datetimeFigureOut">
               <a:rPr kumimoji="1" lang="ja-JP" altLang="en-US" smtClean="0"/>
-              <a:t>2024/2/20</a:t>
+              <a:t>2024/3/7</a:t>
             </a:fld>
             <a:endParaRPr kumimoji="1" lang="ja-JP" altLang="en-US"/>
           </a:p>
@@ -6571,7 +6571,7 @@
           <a:p>
             <a:fld id="{1608E3F5-48AD-4C94-9E60-6499A463CFC4}" type="datetimeFigureOut">
               <a:rPr kumimoji="1" lang="ja-JP" altLang="en-US" smtClean="0"/>
-              <a:t>2024/2/20</a:t>
+              <a:t>2024/3/7</a:t>
             </a:fld>
             <a:endParaRPr kumimoji="1" lang="ja-JP" altLang="en-US"/>
           </a:p>
@@ -6783,7 +6783,7 @@
           <a:p>
             <a:fld id="{1608E3F5-48AD-4C94-9E60-6499A463CFC4}" type="datetimeFigureOut">
               <a:rPr kumimoji="1" lang="ja-JP" altLang="en-US" smtClean="0"/>
-              <a:t>2024/2/20</a:t>
+              <a:t>2024/3/7</a:t>
             </a:fld>
             <a:endParaRPr kumimoji="1" lang="ja-JP" altLang="en-US"/>
           </a:p>
@@ -6986,7 +6986,7 @@
           <a:p>
             <a:fld id="{1608E3F5-48AD-4C94-9E60-6499A463CFC4}" type="datetimeFigureOut">
               <a:rPr kumimoji="1" lang="ja-JP" altLang="en-US" smtClean="0"/>
-              <a:t>2024/2/20</a:t>
+              <a:t>2024/3/7</a:t>
             </a:fld>
             <a:endParaRPr kumimoji="1" lang="ja-JP" altLang="en-US"/>
           </a:p>
@@ -7188,7 +7188,7 @@
           <a:p>
             <a:fld id="{1608E3F5-48AD-4C94-9E60-6499A463CFC4}" type="datetimeFigureOut">
               <a:rPr kumimoji="1" lang="ja-JP" altLang="en-US" smtClean="0"/>
-              <a:t>2024/2/20</a:t>
+              <a:t>2024/3/7</a:t>
             </a:fld>
             <a:endParaRPr kumimoji="1" lang="ja-JP" altLang="en-US"/>
           </a:p>
@@ -7439,7 +7439,7 @@
           <a:p>
             <a:fld id="{1608E3F5-48AD-4C94-9E60-6499A463CFC4}" type="datetimeFigureOut">
               <a:rPr kumimoji="1" lang="ja-JP" altLang="en-US" smtClean="0"/>
-              <a:t>2024/2/20</a:t>
+              <a:t>2024/3/7</a:t>
             </a:fld>
             <a:endParaRPr kumimoji="1" lang="ja-JP" altLang="en-US"/>
           </a:p>
@@ -7735,7 +7735,7 @@
           <a:p>
             <a:fld id="{1608E3F5-48AD-4C94-9E60-6499A463CFC4}" type="datetimeFigureOut">
               <a:rPr kumimoji="1" lang="ja-JP" altLang="en-US" smtClean="0"/>
-              <a:t>2024/2/20</a:t>
+              <a:t>2024/3/7</a:t>
             </a:fld>
             <a:endParaRPr kumimoji="1" lang="ja-JP" altLang="en-US"/>
           </a:p>
@@ -8146,7 +8146,7 @@
           <a:p>
             <a:fld id="{1608E3F5-48AD-4C94-9E60-6499A463CFC4}" type="datetimeFigureOut">
               <a:rPr kumimoji="1" lang="ja-JP" altLang="en-US" smtClean="0"/>
-              <a:t>2024/2/20</a:t>
+              <a:t>2024/3/7</a:t>
             </a:fld>
             <a:endParaRPr kumimoji="1" lang="ja-JP" altLang="en-US"/>
           </a:p>
@@ -8264,7 +8264,7 @@
           <a:p>
             <a:fld id="{1608E3F5-48AD-4C94-9E60-6499A463CFC4}" type="datetimeFigureOut">
               <a:rPr kumimoji="1" lang="ja-JP" altLang="en-US" smtClean="0"/>
-              <a:t>2024/2/20</a:t>
+              <a:t>2024/3/7</a:t>
             </a:fld>
             <a:endParaRPr kumimoji="1" lang="ja-JP" altLang="en-US"/>
           </a:p>
@@ -8583,7 +8583,7 @@
           <a:p>
             <a:fld id="{8034E946-5FA3-44E5-A5C1-96D1B239C4E6}" type="datetimeFigureOut">
               <a:rPr kumimoji="1" lang="ja-JP" altLang="en-US" smtClean="0"/>
-              <a:t>2024/2/20</a:t>
+              <a:t>2024/3/7</a:t>
             </a:fld>
             <a:endParaRPr kumimoji="1" lang="ja-JP" altLang="en-US"/>
           </a:p>
@@ -8678,7 +8678,7 @@
           <a:p>
             <a:fld id="{1608E3F5-48AD-4C94-9E60-6499A463CFC4}" type="datetimeFigureOut">
               <a:rPr kumimoji="1" lang="ja-JP" altLang="en-US" smtClean="0"/>
-              <a:t>2024/2/20</a:t>
+              <a:t>2024/3/7</a:t>
             </a:fld>
             <a:endParaRPr kumimoji="1" lang="ja-JP" altLang="en-US"/>
           </a:p>
@@ -8994,7 +8994,7 @@
           <a:p>
             <a:fld id="{1608E3F5-48AD-4C94-9E60-6499A463CFC4}" type="datetimeFigureOut">
               <a:rPr kumimoji="1" lang="ja-JP" altLang="en-US" smtClean="0"/>
-              <a:t>2024/2/20</a:t>
+              <a:t>2024/3/7</a:t>
             </a:fld>
             <a:endParaRPr kumimoji="1" lang="ja-JP" altLang="en-US"/>
           </a:p>
@@ -9258,7 +9258,7 @@
           <a:p>
             <a:fld id="{1608E3F5-48AD-4C94-9E60-6499A463CFC4}" type="datetimeFigureOut">
               <a:rPr kumimoji="1" lang="ja-JP" altLang="en-US" smtClean="0"/>
-              <a:t>2024/2/20</a:t>
+              <a:t>2024/3/7</a:t>
             </a:fld>
             <a:endParaRPr kumimoji="1" lang="ja-JP" altLang="en-US"/>
           </a:p>
@@ -9460,7 +9460,7 @@
           <a:p>
             <a:fld id="{1608E3F5-48AD-4C94-9E60-6499A463CFC4}" type="datetimeFigureOut">
               <a:rPr kumimoji="1" lang="ja-JP" altLang="en-US" smtClean="0"/>
-              <a:t>2024/2/20</a:t>
+              <a:t>2024/3/7</a:t>
             </a:fld>
             <a:endParaRPr kumimoji="1" lang="ja-JP" altLang="en-US"/>
           </a:p>
@@ -9672,7 +9672,7 @@
           <a:p>
             <a:fld id="{1608E3F5-48AD-4C94-9E60-6499A463CFC4}" type="datetimeFigureOut">
               <a:rPr kumimoji="1" lang="ja-JP" altLang="en-US" smtClean="0"/>
-              <a:t>2024/2/20</a:t>
+              <a:t>2024/3/7</a:t>
             </a:fld>
             <a:endParaRPr kumimoji="1" lang="ja-JP" altLang="en-US"/>
           </a:p>
@@ -9875,7 +9875,7 @@
           <a:p>
             <a:fld id="{1608E3F5-48AD-4C94-9E60-6499A463CFC4}" type="datetimeFigureOut">
               <a:rPr kumimoji="1" lang="ja-JP" altLang="en-US" smtClean="0"/>
-              <a:t>2024/2/20</a:t>
+              <a:t>2024/3/7</a:t>
             </a:fld>
             <a:endParaRPr kumimoji="1" lang="ja-JP" altLang="en-US"/>
           </a:p>
@@ -10077,7 +10077,7 @@
           <a:p>
             <a:fld id="{1608E3F5-48AD-4C94-9E60-6499A463CFC4}" type="datetimeFigureOut">
               <a:rPr kumimoji="1" lang="ja-JP" altLang="en-US" smtClean="0"/>
-              <a:t>2024/2/20</a:t>
+              <a:t>2024/3/7</a:t>
             </a:fld>
             <a:endParaRPr kumimoji="1" lang="ja-JP" altLang="en-US"/>
           </a:p>
@@ -10328,7 +10328,7 @@
           <a:p>
             <a:fld id="{1608E3F5-48AD-4C94-9E60-6499A463CFC4}" type="datetimeFigureOut">
               <a:rPr kumimoji="1" lang="ja-JP" altLang="en-US" smtClean="0"/>
-              <a:t>2024/2/20</a:t>
+              <a:t>2024/3/7</a:t>
             </a:fld>
             <a:endParaRPr kumimoji="1" lang="ja-JP" altLang="en-US"/>
           </a:p>
@@ -10624,7 +10624,7 @@
           <a:p>
             <a:fld id="{1608E3F5-48AD-4C94-9E60-6499A463CFC4}" type="datetimeFigureOut">
               <a:rPr kumimoji="1" lang="ja-JP" altLang="en-US" smtClean="0"/>
-              <a:t>2024/2/20</a:t>
+              <a:t>2024/3/7</a:t>
             </a:fld>
             <a:endParaRPr kumimoji="1" lang="ja-JP" altLang="en-US"/>
           </a:p>
@@ -11035,7 +11035,7 @@
           <a:p>
             <a:fld id="{1608E3F5-48AD-4C94-9E60-6499A463CFC4}" type="datetimeFigureOut">
               <a:rPr kumimoji="1" lang="ja-JP" altLang="en-US" smtClean="0"/>
-              <a:t>2024/2/20</a:t>
+              <a:t>2024/3/7</a:t>
             </a:fld>
             <a:endParaRPr kumimoji="1" lang="ja-JP" altLang="en-US"/>
           </a:p>
@@ -11469,7 +11469,7 @@
           <a:p>
             <a:fld id="{8034E946-5FA3-44E5-A5C1-96D1B239C4E6}" type="datetimeFigureOut">
               <a:rPr kumimoji="1" lang="ja-JP" altLang="en-US" smtClean="0"/>
-              <a:t>2024/2/20</a:t>
+              <a:t>2024/3/7</a:t>
             </a:fld>
             <a:endParaRPr kumimoji="1" lang="ja-JP" altLang="en-US"/>
           </a:p>
@@ -11587,7 +11587,7 @@
           <a:p>
             <a:fld id="{1608E3F5-48AD-4C94-9E60-6499A463CFC4}" type="datetimeFigureOut">
               <a:rPr kumimoji="1" lang="ja-JP" altLang="en-US" smtClean="0"/>
-              <a:t>2024/2/20</a:t>
+              <a:t>2024/3/7</a:t>
             </a:fld>
             <a:endParaRPr kumimoji="1" lang="ja-JP" altLang="en-US"/>
           </a:p>
@@ -11705,7 +11705,7 @@
           <a:p>
             <a:fld id="{1608E3F5-48AD-4C94-9E60-6499A463CFC4}" type="datetimeFigureOut">
               <a:rPr kumimoji="1" lang="ja-JP" altLang="en-US" smtClean="0"/>
-              <a:t>2024/2/20</a:t>
+              <a:t>2024/3/7</a:t>
             </a:fld>
             <a:endParaRPr kumimoji="1" lang="ja-JP" altLang="en-US"/>
           </a:p>
@@ -12021,7 +12021,7 @@
           <a:p>
             <a:fld id="{1608E3F5-48AD-4C94-9E60-6499A463CFC4}" type="datetimeFigureOut">
               <a:rPr kumimoji="1" lang="ja-JP" altLang="en-US" smtClean="0"/>
-              <a:t>2024/2/20</a:t>
+              <a:t>2024/3/7</a:t>
             </a:fld>
             <a:endParaRPr kumimoji="1" lang="ja-JP" altLang="en-US"/>
           </a:p>
@@ -12285,7 +12285,7 @@
           <a:p>
             <a:fld id="{1608E3F5-48AD-4C94-9E60-6499A463CFC4}" type="datetimeFigureOut">
               <a:rPr kumimoji="1" lang="ja-JP" altLang="en-US" smtClean="0"/>
-              <a:t>2024/2/20</a:t>
+              <a:t>2024/3/7</a:t>
             </a:fld>
             <a:endParaRPr kumimoji="1" lang="ja-JP" altLang="en-US"/>
           </a:p>
@@ -12487,7 +12487,7 @@
           <a:p>
             <a:fld id="{1608E3F5-48AD-4C94-9E60-6499A463CFC4}" type="datetimeFigureOut">
               <a:rPr kumimoji="1" lang="ja-JP" altLang="en-US" smtClean="0"/>
-              <a:t>2024/2/20</a:t>
+              <a:t>2024/3/7</a:t>
             </a:fld>
             <a:endParaRPr kumimoji="1" lang="ja-JP" altLang="en-US"/>
           </a:p>
@@ -12699,7 +12699,7 @@
           <a:p>
             <a:fld id="{1608E3F5-48AD-4C94-9E60-6499A463CFC4}" type="datetimeFigureOut">
               <a:rPr kumimoji="1" lang="ja-JP" altLang="en-US" smtClean="0"/>
-              <a:t>2024/2/20</a:t>
+              <a:t>2024/3/7</a:t>
             </a:fld>
             <a:endParaRPr kumimoji="1" lang="ja-JP" altLang="en-US"/>
           </a:p>
@@ -12902,7 +12902,7 @@
           <a:p>
             <a:fld id="{1608E3F5-48AD-4C94-9E60-6499A463CFC4}" type="datetimeFigureOut">
               <a:rPr kumimoji="1" lang="ja-JP" altLang="en-US" smtClean="0"/>
-              <a:t>2024/2/20</a:t>
+              <a:t>2024/3/7</a:t>
             </a:fld>
             <a:endParaRPr kumimoji="1" lang="ja-JP" altLang="en-US"/>
           </a:p>
@@ -13104,7 +13104,7 @@
           <a:p>
             <a:fld id="{1608E3F5-48AD-4C94-9E60-6499A463CFC4}" type="datetimeFigureOut">
               <a:rPr kumimoji="1" lang="ja-JP" altLang="en-US" smtClean="0"/>
-              <a:t>2024/2/20</a:t>
+              <a:t>2024/3/7</a:t>
             </a:fld>
             <a:endParaRPr kumimoji="1" lang="ja-JP" altLang="en-US"/>
           </a:p>
@@ -13355,7 +13355,7 @@
           <a:p>
             <a:fld id="{1608E3F5-48AD-4C94-9E60-6499A463CFC4}" type="datetimeFigureOut">
               <a:rPr kumimoji="1" lang="ja-JP" altLang="en-US" smtClean="0"/>
-              <a:t>2024/2/20</a:t>
+              <a:t>2024/3/7</a:t>
             </a:fld>
             <a:endParaRPr kumimoji="1" lang="ja-JP" altLang="en-US"/>
           </a:p>
@@ -13651,7 +13651,7 @@
           <a:p>
             <a:fld id="{1608E3F5-48AD-4C94-9E60-6499A463CFC4}" type="datetimeFigureOut">
               <a:rPr kumimoji="1" lang="ja-JP" altLang="en-US" smtClean="0"/>
-              <a:t>2024/2/20</a:t>
+              <a:t>2024/3/7</a:t>
             </a:fld>
             <a:endParaRPr kumimoji="1" lang="ja-JP" altLang="en-US"/>
           </a:p>
@@ -13746,7 +13746,7 @@
           <a:p>
             <a:fld id="{8034E946-5FA3-44E5-A5C1-96D1B239C4E6}" type="datetimeFigureOut">
               <a:rPr kumimoji="1" lang="ja-JP" altLang="en-US" smtClean="0"/>
-              <a:t>2024/2/20</a:t>
+              <a:t>2024/3/7</a:t>
             </a:fld>
             <a:endParaRPr kumimoji="1" lang="ja-JP" altLang="en-US"/>
           </a:p>
@@ -14180,7 +14180,7 @@
           <a:p>
             <a:fld id="{1608E3F5-48AD-4C94-9E60-6499A463CFC4}" type="datetimeFigureOut">
               <a:rPr kumimoji="1" lang="ja-JP" altLang="en-US" smtClean="0"/>
-              <a:t>2024/2/20</a:t>
+              <a:t>2024/3/7</a:t>
             </a:fld>
             <a:endParaRPr kumimoji="1" lang="ja-JP" altLang="en-US"/>
           </a:p>
@@ -14298,7 +14298,7 @@
           <a:p>
             <a:fld id="{1608E3F5-48AD-4C94-9E60-6499A463CFC4}" type="datetimeFigureOut">
               <a:rPr kumimoji="1" lang="ja-JP" altLang="en-US" smtClean="0"/>
-              <a:t>2024/2/20</a:t>
+              <a:t>2024/3/7</a:t>
             </a:fld>
             <a:endParaRPr kumimoji="1" lang="ja-JP" altLang="en-US"/>
           </a:p>
@@ -14416,7 +14416,7 @@
           <a:p>
             <a:fld id="{1608E3F5-48AD-4C94-9E60-6499A463CFC4}" type="datetimeFigureOut">
               <a:rPr kumimoji="1" lang="ja-JP" altLang="en-US" smtClean="0"/>
-              <a:t>2024/2/20</a:t>
+              <a:t>2024/3/7</a:t>
             </a:fld>
             <a:endParaRPr kumimoji="1" lang="ja-JP" altLang="en-US"/>
           </a:p>
@@ -14732,7 +14732,7 @@
           <a:p>
             <a:fld id="{1608E3F5-48AD-4C94-9E60-6499A463CFC4}" type="datetimeFigureOut">
               <a:rPr kumimoji="1" lang="ja-JP" altLang="en-US" smtClean="0"/>
-              <a:t>2024/2/20</a:t>
+              <a:t>2024/3/7</a:t>
             </a:fld>
             <a:endParaRPr kumimoji="1" lang="ja-JP" altLang="en-US"/>
           </a:p>
@@ -14996,7 +14996,7 @@
           <a:p>
             <a:fld id="{1608E3F5-48AD-4C94-9E60-6499A463CFC4}" type="datetimeFigureOut">
               <a:rPr kumimoji="1" lang="ja-JP" altLang="en-US" smtClean="0"/>
-              <a:t>2024/2/20</a:t>
+              <a:t>2024/3/7</a:t>
             </a:fld>
             <a:endParaRPr kumimoji="1" lang="ja-JP" altLang="en-US"/>
           </a:p>
@@ -15198,7 +15198,7 @@
           <a:p>
             <a:fld id="{1608E3F5-48AD-4C94-9E60-6499A463CFC4}" type="datetimeFigureOut">
               <a:rPr kumimoji="1" lang="ja-JP" altLang="en-US" smtClean="0"/>
-              <a:t>2024/2/20</a:t>
+              <a:t>2024/3/7</a:t>
             </a:fld>
             <a:endParaRPr kumimoji="1" lang="ja-JP" altLang="en-US"/>
           </a:p>
@@ -15410,7 +15410,7 @@
           <a:p>
             <a:fld id="{1608E3F5-48AD-4C94-9E60-6499A463CFC4}" type="datetimeFigureOut">
               <a:rPr kumimoji="1" lang="ja-JP" altLang="en-US" smtClean="0"/>
-              <a:t>2024/2/20</a:t>
+              <a:t>2024/3/7</a:t>
             </a:fld>
             <a:endParaRPr kumimoji="1" lang="ja-JP" altLang="en-US"/>
           </a:p>
@@ -15618,7 +15618,7 @@
           <a:p>
             <a:fld id="{8034E946-5FA3-44E5-A5C1-96D1B239C4E6}" type="datetimeFigureOut">
               <a:rPr kumimoji="1" lang="ja-JP" altLang="en-US" smtClean="0"/>
-              <a:t>2024/2/20</a:t>
+              <a:t>2024/3/7</a:t>
             </a:fld>
             <a:endParaRPr kumimoji="1" lang="ja-JP" altLang="en-US"/>
           </a:p>
@@ -15848,7 +15848,7 @@
           <a:p>
             <a:fld id="{8034E946-5FA3-44E5-A5C1-96D1B239C4E6}" type="datetimeFigureOut">
               <a:rPr kumimoji="1" lang="ja-JP" altLang="en-US" smtClean="0"/>
-              <a:t>2024/2/20</a:t>
+              <a:t>2024/3/7</a:t>
             </a:fld>
             <a:endParaRPr kumimoji="1" lang="ja-JP" altLang="en-US"/>
           </a:p>
@@ -16123,7 +16123,7 @@
           <a:p>
             <a:fld id="{8034E946-5FA3-44E5-A5C1-96D1B239C4E6}" type="datetimeFigureOut">
               <a:rPr kumimoji="1" lang="ja-JP" altLang="en-US" smtClean="0"/>
-              <a:t>2024/2/20</a:t>
+              <a:t>2024/3/7</a:t>
             </a:fld>
             <a:endParaRPr kumimoji="1" lang="ja-JP" altLang="en-US"/>
           </a:p>
@@ -16230,7 +16230,7 @@
           <a:p>
             <a:fld id="{8034E946-5FA3-44E5-A5C1-96D1B239C4E6}" type="datetimeFigureOut">
               <a:rPr kumimoji="1" lang="ja-JP" altLang="en-US" smtClean="0"/>
-              <a:t>2024/2/20</a:t>
+              <a:t>2024/3/7</a:t>
             </a:fld>
             <a:endParaRPr kumimoji="1" lang="ja-JP" altLang="en-US"/>
           </a:p>
@@ -16547,7 +16547,7 @@
           <a:p>
             <a:fld id="{8034E946-5FA3-44E5-A5C1-96D1B239C4E6}" type="datetimeFigureOut">
               <a:rPr kumimoji="1" lang="ja-JP" altLang="en-US" smtClean="0"/>
-              <a:t>2024/2/20</a:t>
+              <a:t>2024/3/7</a:t>
             </a:fld>
             <a:endParaRPr kumimoji="1" lang="ja-JP" altLang="en-US"/>
           </a:p>
@@ -17023,7 +17023,7 @@
           <a:p>
             <a:fld id="{8034E946-5FA3-44E5-A5C1-96D1B239C4E6}" type="datetimeFigureOut">
               <a:rPr kumimoji="1" lang="ja-JP" altLang="en-US" smtClean="0"/>
-              <a:t>2024/2/20</a:t>
+              <a:t>2024/3/7</a:t>
             </a:fld>
             <a:endParaRPr kumimoji="1" lang="ja-JP" altLang="en-US"/>
           </a:p>
@@ -17164,7 +17164,7 @@
           <a:p>
             <a:fld id="{8034E946-5FA3-44E5-A5C1-96D1B239C4E6}" type="datetimeFigureOut">
               <a:rPr kumimoji="1" lang="ja-JP" altLang="en-US" smtClean="0"/>
-              <a:t>2024/2/20</a:t>
+              <a:t>2024/3/7</a:t>
             </a:fld>
             <a:endParaRPr kumimoji="1" lang="ja-JP" altLang="en-US"/>
           </a:p>
@@ -17277,7 +17277,7 @@
           <a:p>
             <a:fld id="{8034E946-5FA3-44E5-A5C1-96D1B239C4E6}" type="datetimeFigureOut">
               <a:rPr kumimoji="1" lang="ja-JP" altLang="en-US" smtClean="0"/>
-              <a:t>2024/2/20</a:t>
+              <a:t>2024/3/7</a:t>
             </a:fld>
             <a:endParaRPr kumimoji="1" lang="ja-JP" altLang="en-US"/>
           </a:p>
@@ -17620,7 +17620,7 @@
           <a:p>
             <a:fld id="{8034E946-5FA3-44E5-A5C1-96D1B239C4E6}" type="datetimeFigureOut">
               <a:rPr kumimoji="1" lang="ja-JP" altLang="en-US" smtClean="0"/>
-              <a:t>2024/2/20</a:t>
+              <a:t>2024/3/7</a:t>
             </a:fld>
             <a:endParaRPr kumimoji="1" lang="ja-JP" altLang="en-US"/>
           </a:p>
@@ -17908,7 +17908,7 @@
           <a:p>
             <a:fld id="{8034E946-5FA3-44E5-A5C1-96D1B239C4E6}" type="datetimeFigureOut">
               <a:rPr kumimoji="1" lang="ja-JP" altLang="en-US" smtClean="0"/>
-              <a:t>2024/2/20</a:t>
+              <a:t>2024/3/7</a:t>
             </a:fld>
             <a:endParaRPr kumimoji="1" lang="ja-JP" altLang="en-US"/>
           </a:p>
@@ -18138,7 +18138,7 @@
           <a:p>
             <a:fld id="{8034E946-5FA3-44E5-A5C1-96D1B239C4E6}" type="datetimeFigureOut">
               <a:rPr kumimoji="1" lang="ja-JP" altLang="en-US" smtClean="0"/>
-              <a:t>2024/2/20</a:t>
+              <a:t>2024/3/7</a:t>
             </a:fld>
             <a:endParaRPr kumimoji="1" lang="ja-JP" altLang="en-US"/>
           </a:p>
@@ -18378,7 +18378,7 @@
           <a:p>
             <a:fld id="{8034E946-5FA3-44E5-A5C1-96D1B239C4E6}" type="datetimeFigureOut">
               <a:rPr kumimoji="1" lang="ja-JP" altLang="en-US" smtClean="0"/>
-              <a:t>2024/2/20</a:t>
+              <a:t>2024/3/7</a:t>
             </a:fld>
             <a:endParaRPr kumimoji="1" lang="ja-JP" altLang="en-US"/>
           </a:p>
@@ -18706,7 +18706,7 @@
           <a:p>
             <a:fld id="{8034E946-5FA3-44E5-A5C1-96D1B239C4E6}" type="datetimeFigureOut">
               <a:rPr kumimoji="1" lang="ja-JP" altLang="en-US" smtClean="0"/>
-              <a:t>2024/2/20</a:t>
+              <a:t>2024/3/7</a:t>
             </a:fld>
             <a:endParaRPr kumimoji="1" lang="ja-JP" altLang="en-US"/>
           </a:p>
@@ -18970,7 +18970,7 @@
           <a:p>
             <a:fld id="{8034E946-5FA3-44E5-A5C1-96D1B239C4E6}" type="datetimeFigureOut">
               <a:rPr kumimoji="1" lang="ja-JP" altLang="en-US" smtClean="0"/>
-              <a:t>2024/2/20</a:t>
+              <a:t>2024/3/7</a:t>
             </a:fld>
             <a:endParaRPr kumimoji="1" lang="ja-JP" altLang="en-US"/>
           </a:p>
@@ -19216,7 +19216,7 @@
           <a:p>
             <a:fld id="{8034E946-5FA3-44E5-A5C1-96D1B239C4E6}" type="datetimeFigureOut">
               <a:rPr kumimoji="1" lang="ja-JP" altLang="en-US" smtClean="0"/>
-              <a:t>2024/2/20</a:t>
+              <a:t>2024/3/7</a:t>
             </a:fld>
             <a:endParaRPr kumimoji="1" lang="ja-JP" altLang="en-US"/>
           </a:p>
@@ -19778,7 +19778,7 @@
           <a:p>
             <a:fld id="{1608E3F5-48AD-4C94-9E60-6499A463CFC4}" type="datetimeFigureOut">
               <a:rPr kumimoji="1" lang="ja-JP" altLang="en-US" smtClean="0"/>
-              <a:t>2024/2/20</a:t>
+              <a:t>2024/3/7</a:t>
             </a:fld>
             <a:endParaRPr kumimoji="1" lang="ja-JP" altLang="en-US"/>
           </a:p>
@@ -20340,7 +20340,7 @@
           <a:p>
             <a:fld id="{1608E3F5-48AD-4C94-9E60-6499A463CFC4}" type="datetimeFigureOut">
               <a:rPr kumimoji="1" lang="ja-JP" altLang="en-US" smtClean="0"/>
-              <a:t>2024/2/20</a:t>
+              <a:t>2024/3/7</a:t>
             </a:fld>
             <a:endParaRPr kumimoji="1" lang="ja-JP" altLang="en-US"/>
           </a:p>
@@ -20902,7 +20902,7 @@
           <a:p>
             <a:fld id="{1608E3F5-48AD-4C94-9E60-6499A463CFC4}" type="datetimeFigureOut">
               <a:rPr kumimoji="1" lang="ja-JP" altLang="en-US" smtClean="0"/>
-              <a:t>2024/2/20</a:t>
+              <a:t>2024/3/7</a:t>
             </a:fld>
             <a:endParaRPr kumimoji="1" lang="ja-JP" altLang="en-US"/>
           </a:p>
@@ -21464,7 +21464,7 @@
           <a:p>
             <a:fld id="{1608E3F5-48AD-4C94-9E60-6499A463CFC4}" type="datetimeFigureOut">
               <a:rPr kumimoji="1" lang="ja-JP" altLang="en-US" smtClean="0"/>
-              <a:t>2024/2/20</a:t>
+              <a:t>2024/3/7</a:t>
             </a:fld>
             <a:endParaRPr kumimoji="1" lang="ja-JP" altLang="en-US"/>
           </a:p>
@@ -22026,7 +22026,7 @@
           <a:p>
             <a:fld id="{1608E3F5-48AD-4C94-9E60-6499A463CFC4}" type="datetimeFigureOut">
               <a:rPr kumimoji="1" lang="ja-JP" altLang="en-US" smtClean="0"/>
-              <a:t>2024/2/20</a:t>
+              <a:t>2024/3/7</a:t>
             </a:fld>
             <a:endParaRPr kumimoji="1" lang="ja-JP" altLang="en-US"/>
           </a:p>
@@ -22603,7 +22603,7 @@
           <a:p>
             <a:fld id="{8034E946-5FA3-44E5-A5C1-96D1B239C4E6}" type="datetimeFigureOut">
               <a:rPr kumimoji="1" lang="ja-JP" altLang="en-US" smtClean="0"/>
-              <a:t>2024/2/20</a:t>
+              <a:t>2024/3/7</a:t>
             </a:fld>
             <a:endParaRPr kumimoji="1" lang="ja-JP" altLang="en-US"/>
           </a:p>
@@ -23040,7 +23040,7 @@
         </p:nvGrpSpPr>
         <p:grpSpPr>
           <a:xfrm>
-            <a:off x="1311332" y="1548372"/>
+            <a:off x="1358629" y="1548372"/>
             <a:ext cx="7875299" cy="3761256"/>
             <a:chOff x="1357514" y="1548372"/>
             <a:chExt cx="7875299" cy="3761256"/>
@@ -23237,7 +23237,7 @@
               </a:pPr>
               <a:r>
                 <a:rPr kumimoji="1" lang="ja-JP" altLang="en-US" sz="2000" b="1" dirty="0"/>
-                <a:t>手動切換映像</a:t>
+                <a:t>手動切替映像</a:t>
               </a:r>
               <a:endParaRPr kumimoji="1" lang="en-US" altLang="ja-JP" sz="2000" b="1" dirty="0"/>
             </a:p>
@@ -23319,7 +23319,7 @@
               </a:r>
               <a:r>
                 <a:rPr kumimoji="1" lang="ja-JP" altLang="en-US" sz="2000" b="1" dirty="0"/>
-                <a:t>自動切換映像</a:t>
+                <a:t>自動切替映像</a:t>
               </a:r>
               <a:endParaRPr kumimoji="1" lang="en-US" altLang="ja-JP" sz="2000" b="1" dirty="0"/>
             </a:p>
